--- a/Quiz/파이썬 연습문제.pptx
+++ b/Quiz/파이썬 연습문제.pptx
@@ -197,7 +197,7 @@
           <a:p>
             <a:fld id="{F8EE9BE4-BA73-4D39-86BF-4ECBF107F1A2}" type="datetimeFigureOut">
               <a:rPr lang="ko-KR" altLang="en-US" smtClean="0"/>
-              <a:t>2019-07-19</a:t>
+              <a:t>2019-07-24</a:t>
             </a:fld>
             <a:endParaRPr lang="ko-KR" altLang="en-US"/>
           </a:p>
@@ -611,7 +611,7 @@
           <a:p>
             <a:fld id="{21845987-2C55-46C3-B831-AE09533DBD3E}" type="datetime1">
               <a:rPr lang="ko-KR" altLang="en-US" smtClean="0"/>
-              <a:t>2019-07-19</a:t>
+              <a:t>2019-07-24</a:t>
             </a:fld>
             <a:endParaRPr lang="ko-KR" altLang="en-US"/>
           </a:p>
@@ -739,7 +739,7 @@
           <a:p>
             <a:fld id="{BFC15BBE-F44D-4F1F-A330-F82D13529371}" type="datetime1">
               <a:rPr lang="ko-KR" altLang="en-US" smtClean="0"/>
-              <a:t>2019-07-19</a:t>
+              <a:t>2019-07-24</a:t>
             </a:fld>
             <a:endParaRPr lang="ko-KR" altLang="en-US"/>
           </a:p>
@@ -919,7 +919,7 @@
           <a:p>
             <a:fld id="{AF55841B-9C56-4B13-96CD-0F02E1FA3938}" type="datetime1">
               <a:rPr lang="ko-KR" altLang="en-US" smtClean="0"/>
-              <a:t>2019-07-19</a:t>
+              <a:t>2019-07-24</a:t>
             </a:fld>
             <a:endParaRPr lang="ko-KR" altLang="en-US"/>
           </a:p>
@@ -1089,7 +1089,7 @@
           <a:p>
             <a:fld id="{2ABF20A8-D685-4CF2-B639-02FF1506B0EE}" type="datetime1">
               <a:rPr lang="ko-KR" altLang="en-US" smtClean="0"/>
-              <a:t>2019-07-19</a:t>
+              <a:t>2019-07-24</a:t>
             </a:fld>
             <a:endParaRPr lang="ko-KR" altLang="en-US"/>
           </a:p>
@@ -1335,7 +1335,7 @@
           <a:p>
             <a:fld id="{2811EE05-8720-4A70-86E4-81F89E9A0E97}" type="datetime1">
               <a:rPr lang="ko-KR" altLang="en-US" smtClean="0"/>
-              <a:t>2019-07-19</a:t>
+              <a:t>2019-07-24</a:t>
             </a:fld>
             <a:endParaRPr lang="ko-KR" altLang="en-US"/>
           </a:p>
@@ -1623,7 +1623,7 @@
           <a:p>
             <a:fld id="{4A1C758F-DBB4-457E-A726-1AAB5F25B981}" type="datetime1">
               <a:rPr lang="ko-KR" altLang="en-US" smtClean="0"/>
-              <a:t>2019-07-19</a:t>
+              <a:t>2019-07-24</a:t>
             </a:fld>
             <a:endParaRPr lang="ko-KR" altLang="en-US"/>
           </a:p>
@@ -2045,7 +2045,7 @@
           <a:p>
             <a:fld id="{7B601672-9529-4A60-880B-20248A654710}" type="datetime1">
               <a:rPr lang="ko-KR" altLang="en-US" smtClean="0"/>
-              <a:t>2019-07-19</a:t>
+              <a:t>2019-07-24</a:t>
             </a:fld>
             <a:endParaRPr lang="ko-KR" altLang="en-US"/>
           </a:p>
@@ -2163,7 +2163,7 @@
           <a:p>
             <a:fld id="{C95B78CF-F6D9-4B1C-9763-19B11B300263}" type="datetime1">
               <a:rPr lang="ko-KR" altLang="en-US" smtClean="0"/>
-              <a:t>2019-07-19</a:t>
+              <a:t>2019-07-24</a:t>
             </a:fld>
             <a:endParaRPr lang="ko-KR" altLang="en-US"/>
           </a:p>
@@ -2258,7 +2258,7 @@
           <a:p>
             <a:fld id="{5922D0F6-4AA9-49FC-859A-85F46D10708C}" type="datetime1">
               <a:rPr lang="ko-KR" altLang="en-US" smtClean="0"/>
-              <a:t>2019-07-19</a:t>
+              <a:t>2019-07-24</a:t>
             </a:fld>
             <a:endParaRPr lang="ko-KR" altLang="en-US"/>
           </a:p>
@@ -2535,7 +2535,7 @@
           <a:p>
             <a:fld id="{CEDA55FF-F5DC-4391-BDEA-D69D740997F9}" type="datetime1">
               <a:rPr lang="ko-KR" altLang="en-US" smtClean="0"/>
-              <a:t>2019-07-19</a:t>
+              <a:t>2019-07-24</a:t>
             </a:fld>
             <a:endParaRPr lang="ko-KR" altLang="en-US"/>
           </a:p>
@@ -2788,7 +2788,7 @@
           <a:p>
             <a:fld id="{D2D6606D-0E2F-4E15-83D6-FE608293D64D}" type="datetime1">
               <a:rPr lang="ko-KR" altLang="en-US" smtClean="0"/>
-              <a:t>2019-07-19</a:t>
+              <a:t>2019-07-24</a:t>
             </a:fld>
             <a:endParaRPr lang="ko-KR" altLang="en-US"/>
           </a:p>
@@ -3001,7 +3001,7 @@
           <a:p>
             <a:fld id="{7F3773C4-A1CC-40B4-8E1B-E8B2DF0E5786}" type="datetime1">
               <a:rPr lang="ko-KR" altLang="en-US" smtClean="0"/>
-              <a:t>2019-07-19</a:t>
+              <a:t>2019-07-24</a:t>
             </a:fld>
             <a:endParaRPr lang="ko-KR" altLang="en-US"/>
           </a:p>
@@ -3759,8 +3759,8 @@
         </p:nvSpPr>
         <p:spPr>
           <a:xfrm>
-            <a:off x="353673" y="704885"/>
-            <a:ext cx="9135831" cy="5262979"/>
+            <a:off x="128464" y="620687"/>
+            <a:ext cx="8487759" cy="6093976"/>
           </a:xfrm>
           <a:prstGeom prst="rect">
             <a:avLst/>
@@ -3778,249 +3778,249 @@
               <a:buAutoNum type="arabicPeriod"/>
             </a:pPr>
             <a:r>
-              <a:rPr lang="ko-KR" altLang="en-US" sz="1400" dirty="0" smtClean="0">
+              <a:rPr lang="ko-KR" altLang="en-US" sz="1500" dirty="0" smtClean="0">
                 <a:latin typeface="D2Coding ligature" pitchFamily="49" charset="-127"/>
                 <a:ea typeface="D2Coding ligature" pitchFamily="49" charset="-127"/>
               </a:rPr>
               <a:t>연도를 입력으로 받아</a:t>
             </a:r>
             <a:r>
-              <a:rPr lang="en-US" altLang="ko-KR" sz="1400" dirty="0" smtClean="0">
+              <a:rPr lang="en-US" altLang="ko-KR" sz="1500" dirty="0" smtClean="0">
                 <a:latin typeface="D2Coding ligature" pitchFamily="49" charset="-127"/>
                 <a:ea typeface="D2Coding ligature" pitchFamily="49" charset="-127"/>
               </a:rPr>
               <a:t> </a:t>
             </a:r>
             <a:r>
-              <a:rPr lang="ko-KR" altLang="en-US" sz="1400" dirty="0" smtClean="0">
+              <a:rPr lang="ko-KR" altLang="en-US" sz="1500" dirty="0" smtClean="0">
                 <a:latin typeface="D2Coding ligature" pitchFamily="49" charset="-127"/>
                 <a:ea typeface="D2Coding ligature" pitchFamily="49" charset="-127"/>
               </a:rPr>
               <a:t>윤년인지 아닌지를 </a:t>
             </a:r>
             <a:r>
-              <a:rPr lang="ko-KR" altLang="en-US" sz="1400" dirty="0">
+              <a:rPr lang="ko-KR" altLang="en-US" sz="1500" dirty="0">
                 <a:latin typeface="D2Coding ligature" pitchFamily="49" charset="-127"/>
                 <a:ea typeface="D2Coding ligature" pitchFamily="49" charset="-127"/>
               </a:rPr>
               <a:t>출력하는 프로그램을 작성하시오</a:t>
             </a:r>
             <a:r>
-              <a:rPr lang="en-US" altLang="ko-KR" sz="1400" dirty="0" smtClean="0">
+              <a:rPr lang="en-US" altLang="ko-KR" sz="1500" dirty="0" smtClean="0">
                 <a:latin typeface="D2Coding ligature" pitchFamily="49" charset="-127"/>
                 <a:ea typeface="D2Coding ligature" pitchFamily="49" charset="-127"/>
               </a:rPr>
               <a:t>.</a:t>
             </a:r>
             <a:br>
-              <a:rPr lang="en-US" altLang="ko-KR" sz="1400" dirty="0" smtClean="0">
+              <a:rPr lang="en-US" altLang="ko-KR" sz="1500" dirty="0" smtClean="0">
                 <a:latin typeface="D2Coding ligature" pitchFamily="49" charset="-127"/>
                 <a:ea typeface="D2Coding ligature" pitchFamily="49" charset="-127"/>
               </a:rPr>
             </a:br>
             <a:r>
-              <a:rPr lang="ko-KR" altLang="en-US" sz="1400" dirty="0" smtClean="0">
+              <a:rPr lang="ko-KR" altLang="en-US" sz="1500" dirty="0" smtClean="0">
                 <a:latin typeface="D2Coding ligature" pitchFamily="49" charset="-127"/>
                 <a:ea typeface="D2Coding ligature" pitchFamily="49" charset="-127"/>
               </a:rPr>
               <a:t>윤년은 </a:t>
             </a:r>
             <a:r>
-              <a:rPr lang="ko-KR" altLang="en-US" sz="1400" dirty="0">
+              <a:rPr lang="ko-KR" altLang="en-US" sz="1500" dirty="0">
                 <a:latin typeface="D2Coding ligature" pitchFamily="49" charset="-127"/>
                 <a:ea typeface="D2Coding ligature" pitchFamily="49" charset="-127"/>
               </a:rPr>
               <a:t>연도가 </a:t>
             </a:r>
             <a:r>
-              <a:rPr lang="en-US" altLang="ko-KR" sz="1400" dirty="0">
+              <a:rPr lang="en-US" altLang="ko-KR" sz="1500" dirty="0">
                 <a:latin typeface="D2Coding ligature" pitchFamily="49" charset="-127"/>
                 <a:ea typeface="D2Coding ligature" pitchFamily="49" charset="-127"/>
               </a:rPr>
               <a:t>4</a:t>
             </a:r>
             <a:r>
-              <a:rPr lang="ko-KR" altLang="en-US" sz="1400" dirty="0">
+              <a:rPr lang="ko-KR" altLang="en-US" sz="1500" dirty="0">
                 <a:latin typeface="D2Coding ligature" pitchFamily="49" charset="-127"/>
                 <a:ea typeface="D2Coding ligature" pitchFamily="49" charset="-127"/>
               </a:rPr>
               <a:t>의 배수이면서</a:t>
             </a:r>
             <a:r>
-              <a:rPr lang="en-US" altLang="ko-KR" sz="1400" dirty="0">
+              <a:rPr lang="en-US" altLang="ko-KR" sz="1500" dirty="0">
                 <a:latin typeface="D2Coding ligature" pitchFamily="49" charset="-127"/>
                 <a:ea typeface="D2Coding ligature" pitchFamily="49" charset="-127"/>
               </a:rPr>
               <a:t>, 100</a:t>
             </a:r>
             <a:r>
-              <a:rPr lang="ko-KR" altLang="en-US" sz="1400" dirty="0">
+              <a:rPr lang="ko-KR" altLang="en-US" sz="1500" dirty="0">
                 <a:latin typeface="D2Coding ligature" pitchFamily="49" charset="-127"/>
                 <a:ea typeface="D2Coding ligature" pitchFamily="49" charset="-127"/>
               </a:rPr>
               <a:t>의 배수가 아닐 때 또는 </a:t>
             </a:r>
             <a:r>
-              <a:rPr lang="en-US" altLang="ko-KR" sz="1400" dirty="0">
+              <a:rPr lang="en-US" altLang="ko-KR" sz="1500" dirty="0">
                 <a:latin typeface="D2Coding ligature" pitchFamily="49" charset="-127"/>
                 <a:ea typeface="D2Coding ligature" pitchFamily="49" charset="-127"/>
               </a:rPr>
               <a:t>400</a:t>
             </a:r>
             <a:r>
-              <a:rPr lang="ko-KR" altLang="en-US" sz="1400" dirty="0">
+              <a:rPr lang="ko-KR" altLang="en-US" sz="1500" dirty="0">
                 <a:latin typeface="D2Coding ligature" pitchFamily="49" charset="-127"/>
                 <a:ea typeface="D2Coding ligature" pitchFamily="49" charset="-127"/>
               </a:rPr>
               <a:t>의 배수일 </a:t>
             </a:r>
             <a:r>
-              <a:rPr lang="ko-KR" altLang="en-US" sz="1400" dirty="0" smtClean="0">
+              <a:rPr lang="ko-KR" altLang="en-US" sz="1500" dirty="0" smtClean="0">
                 <a:latin typeface="D2Coding ligature" pitchFamily="49" charset="-127"/>
                 <a:ea typeface="D2Coding ligature" pitchFamily="49" charset="-127"/>
               </a:rPr>
               <a:t>때이다</a:t>
             </a:r>
             <a:r>
-              <a:rPr lang="en-US" altLang="ko-KR" sz="1400" dirty="0" smtClean="0">
+              <a:rPr lang="en-US" altLang="ko-KR" sz="1500" dirty="0" smtClean="0">
                 <a:latin typeface="D2Coding ligature" pitchFamily="49" charset="-127"/>
                 <a:ea typeface="D2Coding ligature" pitchFamily="49" charset="-127"/>
               </a:rPr>
               <a:t>.</a:t>
             </a:r>
             <a:br>
-              <a:rPr lang="en-US" altLang="ko-KR" sz="1400" dirty="0" smtClean="0">
+              <a:rPr lang="en-US" altLang="ko-KR" sz="1500" dirty="0" smtClean="0">
                 <a:latin typeface="D2Coding ligature" pitchFamily="49" charset="-127"/>
                 <a:ea typeface="D2Coding ligature" pitchFamily="49" charset="-127"/>
               </a:rPr>
             </a:br>
             <a:r>
-              <a:rPr lang="ko-KR" altLang="en-US" sz="1400" dirty="0" err="1" smtClean="0">
+              <a:rPr lang="ko-KR" altLang="en-US" sz="1500" dirty="0" err="1" smtClean="0">
                 <a:latin typeface="D2Coding ligature" pitchFamily="49" charset="-127"/>
                 <a:ea typeface="D2Coding ligature" pitchFamily="49" charset="-127"/>
               </a:rPr>
               <a:t>예를들어</a:t>
             </a:r>
             <a:r>
-              <a:rPr lang="en-US" altLang="ko-KR" sz="1400" dirty="0">
+              <a:rPr lang="en-US" altLang="ko-KR" sz="1500" dirty="0">
                 <a:latin typeface="D2Coding ligature" pitchFamily="49" charset="-127"/>
                 <a:ea typeface="D2Coding ligature" pitchFamily="49" charset="-127"/>
               </a:rPr>
               <a:t>, 2012</a:t>
             </a:r>
             <a:r>
-              <a:rPr lang="ko-KR" altLang="en-US" sz="1400" dirty="0">
+              <a:rPr lang="ko-KR" altLang="en-US" sz="1500" dirty="0">
                 <a:latin typeface="D2Coding ligature" pitchFamily="49" charset="-127"/>
                 <a:ea typeface="D2Coding ligature" pitchFamily="49" charset="-127"/>
               </a:rPr>
               <a:t>년은 </a:t>
             </a:r>
             <a:r>
-              <a:rPr lang="en-US" altLang="ko-KR" sz="1400" dirty="0">
+              <a:rPr lang="en-US" altLang="ko-KR" sz="1500" dirty="0">
                 <a:latin typeface="D2Coding ligature" pitchFamily="49" charset="-127"/>
                 <a:ea typeface="D2Coding ligature" pitchFamily="49" charset="-127"/>
               </a:rPr>
               <a:t>4</a:t>
             </a:r>
             <a:r>
-              <a:rPr lang="ko-KR" altLang="en-US" sz="1400" dirty="0">
+              <a:rPr lang="ko-KR" altLang="en-US" sz="1500" dirty="0">
                 <a:latin typeface="D2Coding ligature" pitchFamily="49" charset="-127"/>
                 <a:ea typeface="D2Coding ligature" pitchFamily="49" charset="-127"/>
               </a:rPr>
               <a:t>의 배수라서 윤년이지만</a:t>
             </a:r>
             <a:r>
-              <a:rPr lang="en-US" altLang="ko-KR" sz="1400" dirty="0">
+              <a:rPr lang="en-US" altLang="ko-KR" sz="1500" dirty="0">
                 <a:latin typeface="D2Coding ligature" pitchFamily="49" charset="-127"/>
                 <a:ea typeface="D2Coding ligature" pitchFamily="49" charset="-127"/>
               </a:rPr>
               <a:t>, 1900</a:t>
             </a:r>
             <a:r>
-              <a:rPr lang="ko-KR" altLang="en-US" sz="1400" dirty="0">
+              <a:rPr lang="ko-KR" altLang="en-US" sz="1500" dirty="0">
                 <a:latin typeface="D2Coding ligature" pitchFamily="49" charset="-127"/>
                 <a:ea typeface="D2Coding ligature" pitchFamily="49" charset="-127"/>
               </a:rPr>
               <a:t>년은 </a:t>
             </a:r>
             <a:r>
-              <a:rPr lang="en-US" altLang="ko-KR" sz="1400" dirty="0">
+              <a:rPr lang="en-US" altLang="ko-KR" sz="1500" dirty="0">
                 <a:latin typeface="D2Coding ligature" pitchFamily="49" charset="-127"/>
                 <a:ea typeface="D2Coding ligature" pitchFamily="49" charset="-127"/>
               </a:rPr>
               <a:t>4</a:t>
             </a:r>
             <a:r>
-              <a:rPr lang="ko-KR" altLang="en-US" sz="1400" dirty="0">
+              <a:rPr lang="ko-KR" altLang="en-US" sz="1500" dirty="0">
                 <a:latin typeface="D2Coding ligature" pitchFamily="49" charset="-127"/>
                 <a:ea typeface="D2Coding ligature" pitchFamily="49" charset="-127"/>
               </a:rPr>
               <a:t>의 배수이지만</a:t>
             </a:r>
             <a:r>
-              <a:rPr lang="en-US" altLang="ko-KR" sz="1400" dirty="0">
+              <a:rPr lang="en-US" altLang="ko-KR" sz="1500" dirty="0">
                 <a:latin typeface="D2Coding ligature" pitchFamily="49" charset="-127"/>
                 <a:ea typeface="D2Coding ligature" pitchFamily="49" charset="-127"/>
               </a:rPr>
               <a:t>, 100</a:t>
             </a:r>
             <a:r>
-              <a:rPr lang="ko-KR" altLang="en-US" sz="1400" dirty="0">
+              <a:rPr lang="ko-KR" altLang="en-US" sz="1500" dirty="0">
                 <a:latin typeface="D2Coding ligature" pitchFamily="49" charset="-127"/>
                 <a:ea typeface="D2Coding ligature" pitchFamily="49" charset="-127"/>
               </a:rPr>
               <a:t>의 배수이기 때문에 윤년이 아니다</a:t>
             </a:r>
             <a:r>
-              <a:rPr lang="en-US" altLang="ko-KR" sz="1400" dirty="0" smtClean="0">
+              <a:rPr lang="en-US" altLang="ko-KR" sz="1500" dirty="0" smtClean="0">
                 <a:latin typeface="D2Coding ligature" pitchFamily="49" charset="-127"/>
                 <a:ea typeface="D2Coding ligature" pitchFamily="49" charset="-127"/>
               </a:rPr>
               <a:t>. </a:t>
             </a:r>
             <a:r>
-              <a:rPr lang="ko-KR" altLang="en-US" sz="1400" dirty="0" smtClean="0">
+              <a:rPr lang="ko-KR" altLang="en-US" sz="1500" dirty="0" smtClean="0">
                 <a:latin typeface="D2Coding ligature" pitchFamily="49" charset="-127"/>
                 <a:ea typeface="D2Coding ligature" pitchFamily="49" charset="-127"/>
               </a:rPr>
               <a:t>하지만</a:t>
             </a:r>
             <a:r>
-              <a:rPr lang="en-US" altLang="ko-KR" sz="1400" dirty="0">
+              <a:rPr lang="en-US" altLang="ko-KR" sz="1500" dirty="0">
                 <a:latin typeface="D2Coding ligature" pitchFamily="49" charset="-127"/>
                 <a:ea typeface="D2Coding ligature" pitchFamily="49" charset="-127"/>
               </a:rPr>
               <a:t>, 2000</a:t>
             </a:r>
             <a:r>
-              <a:rPr lang="ko-KR" altLang="en-US" sz="1400" dirty="0">
+              <a:rPr lang="ko-KR" altLang="en-US" sz="1500" dirty="0">
                 <a:latin typeface="D2Coding ligature" pitchFamily="49" charset="-127"/>
                 <a:ea typeface="D2Coding ligature" pitchFamily="49" charset="-127"/>
               </a:rPr>
               <a:t>년은 </a:t>
             </a:r>
             <a:r>
-              <a:rPr lang="en-US" altLang="ko-KR" sz="1400" dirty="0">
+              <a:rPr lang="en-US" altLang="ko-KR" sz="1500" dirty="0">
                 <a:latin typeface="D2Coding ligature" pitchFamily="49" charset="-127"/>
                 <a:ea typeface="D2Coding ligature" pitchFamily="49" charset="-127"/>
               </a:rPr>
               <a:t>400</a:t>
             </a:r>
             <a:r>
-              <a:rPr lang="ko-KR" altLang="en-US" sz="1400" dirty="0">
+              <a:rPr lang="ko-KR" altLang="en-US" sz="1500" dirty="0">
                 <a:latin typeface="D2Coding ligature" pitchFamily="49" charset="-127"/>
                 <a:ea typeface="D2Coding ligature" pitchFamily="49" charset="-127"/>
               </a:rPr>
               <a:t>의 배수이기 때문에 윤년이다</a:t>
             </a:r>
             <a:r>
-              <a:rPr lang="en-US" altLang="ko-KR" sz="1400" dirty="0">
+              <a:rPr lang="en-US" altLang="ko-KR" sz="1500" dirty="0">
                 <a:latin typeface="D2Coding ligature" pitchFamily="49" charset="-127"/>
                 <a:ea typeface="D2Coding ligature" pitchFamily="49" charset="-127"/>
               </a:rPr>
               <a:t>.)</a:t>
             </a:r>
-            <a:endParaRPr lang="en-US" altLang="ko-KR" sz="1400" dirty="0" smtClean="0">
+            <a:endParaRPr lang="en-US" altLang="ko-KR" sz="1500" dirty="0" smtClean="0">
               <a:latin typeface="D2Coding ligature" pitchFamily="49" charset="-127"/>
               <a:ea typeface="D2Coding ligature" pitchFamily="49" charset="-127"/>
             </a:endParaRPr>
@@ -4030,7 +4030,7 @@
               <a:buFont typeface="+mj-lt"/>
               <a:buAutoNum type="arabicPeriod"/>
             </a:pPr>
-            <a:endParaRPr lang="en-US" altLang="ko-KR" sz="1400" dirty="0">
+            <a:endParaRPr lang="en-US" altLang="ko-KR" sz="1500" dirty="0">
               <a:latin typeface="D2Coding ligature" pitchFamily="49" charset="-127"/>
               <a:ea typeface="D2Coding ligature" pitchFamily="49" charset="-127"/>
             </a:endParaRPr>
@@ -4041,472 +4041,472 @@
               <a:buAutoNum type="arabicPeriod"/>
             </a:pPr>
             <a:r>
-              <a:rPr lang="ko-KR" altLang="en-US" sz="1400" dirty="0">
+              <a:rPr lang="ko-KR" altLang="en-US" sz="1500" dirty="0">
                 <a:latin typeface="D2Coding ligature" pitchFamily="49" charset="-127"/>
                 <a:ea typeface="D2Coding ligature" pitchFamily="49" charset="-127"/>
               </a:rPr>
               <a:t>상근이는 매일 아침 </a:t>
             </a:r>
             <a:r>
-              <a:rPr lang="ko-KR" altLang="en-US" sz="1400" dirty="0" err="1">
+              <a:rPr lang="ko-KR" altLang="en-US" sz="1500" dirty="0" err="1">
                 <a:latin typeface="D2Coding ligature" pitchFamily="49" charset="-127"/>
                 <a:ea typeface="D2Coding ligature" pitchFamily="49" charset="-127"/>
               </a:rPr>
               <a:t>알람을</a:t>
             </a:r>
             <a:r>
-              <a:rPr lang="ko-KR" altLang="en-US" sz="1400" dirty="0">
+              <a:rPr lang="ko-KR" altLang="en-US" sz="1500" dirty="0">
                 <a:latin typeface="D2Coding ligature" pitchFamily="49" charset="-127"/>
                 <a:ea typeface="D2Coding ligature" pitchFamily="49" charset="-127"/>
               </a:rPr>
               <a:t> 듣고 일어난다</a:t>
             </a:r>
             <a:r>
-              <a:rPr lang="en-US" altLang="ko-KR" sz="1400" dirty="0">
+              <a:rPr lang="en-US" altLang="ko-KR" sz="1500" dirty="0">
                 <a:latin typeface="D2Coding ligature" pitchFamily="49" charset="-127"/>
                 <a:ea typeface="D2Coding ligature" pitchFamily="49" charset="-127"/>
               </a:rPr>
               <a:t>. </a:t>
             </a:r>
             <a:r>
-              <a:rPr lang="ko-KR" altLang="en-US" sz="1400" dirty="0" err="1">
+              <a:rPr lang="ko-KR" altLang="en-US" sz="1500" dirty="0" err="1">
                 <a:latin typeface="D2Coding ligature" pitchFamily="49" charset="-127"/>
                 <a:ea typeface="D2Coding ligature" pitchFamily="49" charset="-127"/>
               </a:rPr>
               <a:t>알람을</a:t>
             </a:r>
             <a:r>
-              <a:rPr lang="ko-KR" altLang="en-US" sz="1400" dirty="0">
+              <a:rPr lang="ko-KR" altLang="en-US" sz="1500" dirty="0">
                 <a:latin typeface="D2Coding ligature" pitchFamily="49" charset="-127"/>
                 <a:ea typeface="D2Coding ligature" pitchFamily="49" charset="-127"/>
               </a:rPr>
               <a:t> 듣고 바로 일어나면 다행이겠지만</a:t>
             </a:r>
             <a:r>
-              <a:rPr lang="en-US" altLang="ko-KR" sz="1400" dirty="0">
+              <a:rPr lang="en-US" altLang="ko-KR" sz="1500" dirty="0">
                 <a:latin typeface="D2Coding ligature" pitchFamily="49" charset="-127"/>
                 <a:ea typeface="D2Coding ligature" pitchFamily="49" charset="-127"/>
               </a:rPr>
               <a:t>, </a:t>
             </a:r>
             <a:r>
-              <a:rPr lang="ko-KR" altLang="en-US" sz="1400" dirty="0">
+              <a:rPr lang="ko-KR" altLang="en-US" sz="1500" dirty="0">
                 <a:latin typeface="D2Coding ligature" pitchFamily="49" charset="-127"/>
                 <a:ea typeface="D2Coding ligature" pitchFamily="49" charset="-127"/>
               </a:rPr>
               <a:t>항상 조금만 더 자려는 마음 때문에 매일 학교를 지각하고 있다</a:t>
             </a:r>
             <a:r>
-              <a:rPr lang="en-US" altLang="ko-KR" sz="1400" dirty="0" smtClean="0">
+              <a:rPr lang="en-US" altLang="ko-KR" sz="1500" dirty="0" smtClean="0">
                 <a:latin typeface="D2Coding ligature" pitchFamily="49" charset="-127"/>
                 <a:ea typeface="D2Coding ligature" pitchFamily="49" charset="-127"/>
               </a:rPr>
               <a:t>. </a:t>
             </a:r>
             <a:r>
-              <a:rPr lang="ko-KR" altLang="en-US" sz="1400" dirty="0" smtClean="0">
+              <a:rPr lang="ko-KR" altLang="en-US" sz="1500" dirty="0" smtClean="0">
                 <a:latin typeface="D2Coding ligature" pitchFamily="49" charset="-127"/>
                 <a:ea typeface="D2Coding ligature" pitchFamily="49" charset="-127"/>
               </a:rPr>
               <a:t>상근이는 </a:t>
             </a:r>
             <a:r>
-              <a:rPr lang="ko-KR" altLang="en-US" sz="1400" dirty="0">
+              <a:rPr lang="ko-KR" altLang="en-US" sz="1500" dirty="0">
                 <a:latin typeface="D2Coding ligature" pitchFamily="49" charset="-127"/>
                 <a:ea typeface="D2Coding ligature" pitchFamily="49" charset="-127"/>
               </a:rPr>
               <a:t>모든 방법을 동원해보았지만</a:t>
             </a:r>
             <a:r>
-              <a:rPr lang="en-US" altLang="ko-KR" sz="1400" dirty="0">
+              <a:rPr lang="en-US" altLang="ko-KR" sz="1500" dirty="0">
                 <a:latin typeface="D2Coding ligature" pitchFamily="49" charset="-127"/>
                 <a:ea typeface="D2Coding ligature" pitchFamily="49" charset="-127"/>
               </a:rPr>
               <a:t>, </a:t>
             </a:r>
             <a:r>
-              <a:rPr lang="ko-KR" altLang="en-US" sz="1400" dirty="0">
+              <a:rPr lang="ko-KR" altLang="en-US" sz="1500" dirty="0">
                 <a:latin typeface="D2Coding ligature" pitchFamily="49" charset="-127"/>
                 <a:ea typeface="D2Coding ligature" pitchFamily="49" charset="-127"/>
               </a:rPr>
               <a:t>조금만 더 자려는 마음은 그 어떤 것도 없앨 수가 없었다</a:t>
             </a:r>
             <a:r>
-              <a:rPr lang="en-US" altLang="ko-KR" sz="1400" dirty="0" smtClean="0">
+              <a:rPr lang="en-US" altLang="ko-KR" sz="1500" dirty="0" smtClean="0">
                 <a:latin typeface="D2Coding ligature" pitchFamily="49" charset="-127"/>
                 <a:ea typeface="D2Coding ligature" pitchFamily="49" charset="-127"/>
               </a:rPr>
               <a:t>.</a:t>
             </a:r>
             <a:br>
-              <a:rPr lang="en-US" altLang="ko-KR" sz="1400" dirty="0" smtClean="0">
+              <a:rPr lang="en-US" altLang="ko-KR" sz="1500" dirty="0" smtClean="0">
                 <a:latin typeface="D2Coding ligature" pitchFamily="49" charset="-127"/>
                 <a:ea typeface="D2Coding ligature" pitchFamily="49" charset="-127"/>
               </a:rPr>
             </a:br>
             <a:r>
-              <a:rPr lang="ko-KR" altLang="en-US" sz="1400" dirty="0" smtClean="0">
+              <a:rPr lang="ko-KR" altLang="en-US" sz="1500" dirty="0" smtClean="0">
                 <a:latin typeface="D2Coding ligature" pitchFamily="49" charset="-127"/>
                 <a:ea typeface="D2Coding ligature" pitchFamily="49" charset="-127"/>
               </a:rPr>
               <a:t>이런 </a:t>
             </a:r>
             <a:r>
-              <a:rPr lang="ko-KR" altLang="en-US" sz="1400" dirty="0">
+              <a:rPr lang="ko-KR" altLang="en-US" sz="1500" dirty="0">
                 <a:latin typeface="D2Coding ligature" pitchFamily="49" charset="-127"/>
                 <a:ea typeface="D2Coding ligature" pitchFamily="49" charset="-127"/>
               </a:rPr>
               <a:t>상근이를 불쌍하게 보던</a:t>
             </a:r>
             <a:r>
-              <a:rPr lang="en-US" altLang="ko-KR" sz="1400" dirty="0">
+              <a:rPr lang="en-US" altLang="ko-KR" sz="1500" dirty="0">
                 <a:latin typeface="D2Coding ligature" pitchFamily="49" charset="-127"/>
                 <a:ea typeface="D2Coding ligature" pitchFamily="49" charset="-127"/>
               </a:rPr>
               <a:t>, </a:t>
             </a:r>
             <a:r>
-              <a:rPr lang="ko-KR" altLang="en-US" sz="1400" dirty="0">
+              <a:rPr lang="ko-KR" altLang="en-US" sz="1500" dirty="0">
                 <a:latin typeface="D2Coding ligature" pitchFamily="49" charset="-127"/>
                 <a:ea typeface="D2Coding ligature" pitchFamily="49" charset="-127"/>
               </a:rPr>
               <a:t>창영이는 자신이 사용하는 방법을 추천해 주었다</a:t>
             </a:r>
             <a:r>
-              <a:rPr lang="en-US" altLang="ko-KR" sz="1400" dirty="0" smtClean="0">
+              <a:rPr lang="en-US" altLang="ko-KR" sz="1500" dirty="0" smtClean="0">
                 <a:latin typeface="D2Coding ligature" pitchFamily="49" charset="-127"/>
                 <a:ea typeface="D2Coding ligature" pitchFamily="49" charset="-127"/>
               </a:rPr>
               <a:t>.</a:t>
             </a:r>
             <a:br>
-              <a:rPr lang="en-US" altLang="ko-KR" sz="1400" dirty="0" smtClean="0">
+              <a:rPr lang="en-US" altLang="ko-KR" sz="1500" dirty="0" smtClean="0">
                 <a:latin typeface="D2Coding ligature" pitchFamily="49" charset="-127"/>
                 <a:ea typeface="D2Coding ligature" pitchFamily="49" charset="-127"/>
               </a:rPr>
             </a:br>
             <a:r>
-              <a:rPr lang="ko-KR" altLang="en-US" sz="1400" dirty="0" smtClean="0">
+              <a:rPr lang="ko-KR" altLang="en-US" sz="1500" dirty="0" smtClean="0">
                 <a:latin typeface="D2Coding ligature" pitchFamily="49" charset="-127"/>
                 <a:ea typeface="D2Coding ligature" pitchFamily="49" charset="-127"/>
               </a:rPr>
               <a:t>바로 </a:t>
             </a:r>
             <a:r>
-              <a:rPr lang="en-US" altLang="ko-KR" sz="1400" dirty="0">
+              <a:rPr lang="en-US" altLang="ko-KR" sz="1500" dirty="0">
                 <a:latin typeface="D2Coding ligature" pitchFamily="49" charset="-127"/>
                 <a:ea typeface="D2Coding ligature" pitchFamily="49" charset="-127"/>
               </a:rPr>
               <a:t>"45</a:t>
             </a:r>
             <a:r>
-              <a:rPr lang="ko-KR" altLang="en-US" sz="1400" dirty="0">
+              <a:rPr lang="ko-KR" altLang="en-US" sz="1500" dirty="0">
                 <a:latin typeface="D2Coding ligature" pitchFamily="49" charset="-127"/>
                 <a:ea typeface="D2Coding ligature" pitchFamily="49" charset="-127"/>
               </a:rPr>
               <a:t>분 일찍 </a:t>
             </a:r>
             <a:r>
-              <a:rPr lang="ko-KR" altLang="en-US" sz="1400" dirty="0" err="1">
+              <a:rPr lang="ko-KR" altLang="en-US" sz="1500" dirty="0" err="1">
                 <a:latin typeface="D2Coding ligature" pitchFamily="49" charset="-127"/>
                 <a:ea typeface="D2Coding ligature" pitchFamily="49" charset="-127"/>
               </a:rPr>
               <a:t>알람</a:t>
             </a:r>
             <a:r>
-              <a:rPr lang="ko-KR" altLang="en-US" sz="1400" dirty="0">
+              <a:rPr lang="ko-KR" altLang="en-US" sz="1500" dirty="0">
                 <a:latin typeface="D2Coding ligature" pitchFamily="49" charset="-127"/>
                 <a:ea typeface="D2Coding ligature" pitchFamily="49" charset="-127"/>
               </a:rPr>
               <a:t> 맞추기</a:t>
             </a:r>
             <a:r>
-              <a:rPr lang="en-US" altLang="ko-KR" sz="1400" dirty="0">
+              <a:rPr lang="en-US" altLang="ko-KR" sz="1500" dirty="0">
                 <a:latin typeface="D2Coding ligature" pitchFamily="49" charset="-127"/>
                 <a:ea typeface="D2Coding ligature" pitchFamily="49" charset="-127"/>
               </a:rPr>
               <a:t>"</a:t>
             </a:r>
             <a:r>
-              <a:rPr lang="ko-KR" altLang="en-US" sz="1400" dirty="0">
+              <a:rPr lang="ko-KR" altLang="en-US" sz="1500" dirty="0">
                 <a:latin typeface="D2Coding ligature" pitchFamily="49" charset="-127"/>
                 <a:ea typeface="D2Coding ligature" pitchFamily="49" charset="-127"/>
               </a:rPr>
               <a:t>이다</a:t>
             </a:r>
             <a:r>
-              <a:rPr lang="en-US" altLang="ko-KR" sz="1400" dirty="0" smtClean="0">
+              <a:rPr lang="en-US" altLang="ko-KR" sz="1500" dirty="0" smtClean="0">
                 <a:latin typeface="D2Coding ligature" pitchFamily="49" charset="-127"/>
                 <a:ea typeface="D2Coding ligature" pitchFamily="49" charset="-127"/>
               </a:rPr>
               <a:t>.</a:t>
             </a:r>
             <a:br>
-              <a:rPr lang="en-US" altLang="ko-KR" sz="1400" dirty="0" smtClean="0">
+              <a:rPr lang="en-US" altLang="ko-KR" sz="1500" dirty="0" smtClean="0">
                 <a:latin typeface="D2Coding ligature" pitchFamily="49" charset="-127"/>
                 <a:ea typeface="D2Coding ligature" pitchFamily="49" charset="-127"/>
               </a:rPr>
             </a:br>
             <a:r>
-              <a:rPr lang="ko-KR" altLang="en-US" sz="1400" dirty="0" smtClean="0">
+              <a:rPr lang="ko-KR" altLang="en-US" sz="1500" dirty="0" smtClean="0">
                 <a:latin typeface="D2Coding ligature" pitchFamily="49" charset="-127"/>
                 <a:ea typeface="D2Coding ligature" pitchFamily="49" charset="-127"/>
               </a:rPr>
               <a:t>이 </a:t>
             </a:r>
             <a:r>
-              <a:rPr lang="ko-KR" altLang="en-US" sz="1400" dirty="0">
+              <a:rPr lang="ko-KR" altLang="en-US" sz="1500" dirty="0">
                 <a:latin typeface="D2Coding ligature" pitchFamily="49" charset="-127"/>
                 <a:ea typeface="D2Coding ligature" pitchFamily="49" charset="-127"/>
               </a:rPr>
               <a:t>방법은 단순하다</a:t>
             </a:r>
             <a:r>
-              <a:rPr lang="en-US" altLang="ko-KR" sz="1400" dirty="0">
+              <a:rPr lang="en-US" altLang="ko-KR" sz="1500" dirty="0">
                 <a:latin typeface="D2Coding ligature" pitchFamily="49" charset="-127"/>
                 <a:ea typeface="D2Coding ligature" pitchFamily="49" charset="-127"/>
               </a:rPr>
               <a:t>. </a:t>
             </a:r>
             <a:r>
-              <a:rPr lang="ko-KR" altLang="en-US" sz="1400" dirty="0">
+              <a:rPr lang="ko-KR" altLang="en-US" sz="1500" dirty="0">
                 <a:latin typeface="D2Coding ligature" pitchFamily="49" charset="-127"/>
                 <a:ea typeface="D2Coding ligature" pitchFamily="49" charset="-127"/>
               </a:rPr>
               <a:t>원래 </a:t>
             </a:r>
             <a:r>
-              <a:rPr lang="ko-KR" altLang="en-US" sz="1400" dirty="0" smtClean="0">
+              <a:rPr lang="ko-KR" altLang="en-US" sz="1500" dirty="0" smtClean="0">
                 <a:latin typeface="D2Coding ligature" pitchFamily="49" charset="-127"/>
                 <a:ea typeface="D2Coding ligature" pitchFamily="49" charset="-127"/>
               </a:rPr>
               <a:t>맞춰져 있는 </a:t>
             </a:r>
             <a:r>
-              <a:rPr lang="ko-KR" altLang="en-US" sz="1400" dirty="0" err="1">
+              <a:rPr lang="ko-KR" altLang="en-US" sz="1500" dirty="0" err="1">
                 <a:latin typeface="D2Coding ligature" pitchFamily="49" charset="-127"/>
                 <a:ea typeface="D2Coding ligature" pitchFamily="49" charset="-127"/>
               </a:rPr>
               <a:t>알람을</a:t>
             </a:r>
             <a:r>
-              <a:rPr lang="ko-KR" altLang="en-US" sz="1400" dirty="0">
+              <a:rPr lang="ko-KR" altLang="en-US" sz="1500" dirty="0">
                 <a:latin typeface="D2Coding ligature" pitchFamily="49" charset="-127"/>
                 <a:ea typeface="D2Coding ligature" pitchFamily="49" charset="-127"/>
               </a:rPr>
               <a:t> </a:t>
             </a:r>
             <a:r>
-              <a:rPr lang="en-US" altLang="ko-KR" sz="1400" dirty="0">
+              <a:rPr lang="en-US" altLang="ko-KR" sz="1500" dirty="0">
                 <a:latin typeface="D2Coding ligature" pitchFamily="49" charset="-127"/>
                 <a:ea typeface="D2Coding ligature" pitchFamily="49" charset="-127"/>
               </a:rPr>
               <a:t>45</a:t>
             </a:r>
             <a:r>
-              <a:rPr lang="ko-KR" altLang="en-US" sz="1400" dirty="0">
+              <a:rPr lang="ko-KR" altLang="en-US" sz="1500" dirty="0">
                 <a:latin typeface="D2Coding ligature" pitchFamily="49" charset="-127"/>
                 <a:ea typeface="D2Coding ligature" pitchFamily="49" charset="-127"/>
               </a:rPr>
               <a:t>분 앞서는 시간으로 바꾸는 것이다</a:t>
             </a:r>
             <a:r>
-              <a:rPr lang="en-US" altLang="ko-KR" sz="1400" dirty="0">
+              <a:rPr lang="en-US" altLang="ko-KR" sz="1500" dirty="0">
                 <a:latin typeface="D2Coding ligature" pitchFamily="49" charset="-127"/>
                 <a:ea typeface="D2Coding ligature" pitchFamily="49" charset="-127"/>
               </a:rPr>
               <a:t>. </a:t>
             </a:r>
             <a:r>
-              <a:rPr lang="ko-KR" altLang="en-US" sz="1400" dirty="0">
+              <a:rPr lang="ko-KR" altLang="en-US" sz="1500" dirty="0">
                 <a:latin typeface="D2Coding ligature" pitchFamily="49" charset="-127"/>
                 <a:ea typeface="D2Coding ligature" pitchFamily="49" charset="-127"/>
               </a:rPr>
               <a:t>어차피 </a:t>
             </a:r>
             <a:r>
-              <a:rPr lang="ko-KR" altLang="en-US" sz="1400" dirty="0" err="1">
+              <a:rPr lang="ko-KR" altLang="en-US" sz="1500" dirty="0" err="1">
                 <a:latin typeface="D2Coding ligature" pitchFamily="49" charset="-127"/>
                 <a:ea typeface="D2Coding ligature" pitchFamily="49" charset="-127"/>
               </a:rPr>
               <a:t>알람</a:t>
             </a:r>
             <a:r>
-              <a:rPr lang="ko-KR" altLang="en-US" sz="1400" dirty="0">
+              <a:rPr lang="ko-KR" altLang="en-US" sz="1500" dirty="0">
                 <a:latin typeface="D2Coding ligature" pitchFamily="49" charset="-127"/>
                 <a:ea typeface="D2Coding ligature" pitchFamily="49" charset="-127"/>
               </a:rPr>
               <a:t> 소리를 들으면</a:t>
             </a:r>
             <a:r>
-              <a:rPr lang="en-US" altLang="ko-KR" sz="1400" dirty="0">
+              <a:rPr lang="en-US" altLang="ko-KR" sz="1500" dirty="0">
                 <a:latin typeface="D2Coding ligature" pitchFamily="49" charset="-127"/>
                 <a:ea typeface="D2Coding ligature" pitchFamily="49" charset="-127"/>
               </a:rPr>
               <a:t>, </a:t>
             </a:r>
             <a:r>
-              <a:rPr lang="ko-KR" altLang="en-US" sz="1400" dirty="0" err="1">
+              <a:rPr lang="ko-KR" altLang="en-US" sz="1500" dirty="0" err="1">
                 <a:latin typeface="D2Coding ligature" pitchFamily="49" charset="-127"/>
                 <a:ea typeface="D2Coding ligature" pitchFamily="49" charset="-127"/>
               </a:rPr>
               <a:t>알람을</a:t>
             </a:r>
             <a:r>
-              <a:rPr lang="ko-KR" altLang="en-US" sz="1400" dirty="0">
+              <a:rPr lang="ko-KR" altLang="en-US" sz="1500" dirty="0">
                 <a:latin typeface="D2Coding ligature" pitchFamily="49" charset="-127"/>
                 <a:ea typeface="D2Coding ligature" pitchFamily="49" charset="-127"/>
               </a:rPr>
               <a:t> 끄고 조금 더 잘 것이기 때문이다</a:t>
             </a:r>
             <a:r>
-              <a:rPr lang="en-US" altLang="ko-KR" sz="1400" dirty="0">
+              <a:rPr lang="en-US" altLang="ko-KR" sz="1500" dirty="0">
                 <a:latin typeface="D2Coding ligature" pitchFamily="49" charset="-127"/>
                 <a:ea typeface="D2Coding ligature" pitchFamily="49" charset="-127"/>
               </a:rPr>
               <a:t>. </a:t>
             </a:r>
             <a:r>
-              <a:rPr lang="ko-KR" altLang="en-US" sz="1400" dirty="0">
+              <a:rPr lang="ko-KR" altLang="en-US" sz="1500" dirty="0">
                 <a:latin typeface="D2Coding ligature" pitchFamily="49" charset="-127"/>
                 <a:ea typeface="D2Coding ligature" pitchFamily="49" charset="-127"/>
               </a:rPr>
               <a:t>이 방법을 사용하면</a:t>
             </a:r>
             <a:r>
-              <a:rPr lang="en-US" altLang="ko-KR" sz="1400" dirty="0">
+              <a:rPr lang="en-US" altLang="ko-KR" sz="1500" dirty="0">
                 <a:latin typeface="D2Coding ligature" pitchFamily="49" charset="-127"/>
                 <a:ea typeface="D2Coding ligature" pitchFamily="49" charset="-127"/>
               </a:rPr>
               <a:t>, </a:t>
             </a:r>
             <a:r>
-              <a:rPr lang="ko-KR" altLang="en-US" sz="1400" dirty="0">
+              <a:rPr lang="ko-KR" altLang="en-US" sz="1500" dirty="0">
                 <a:latin typeface="D2Coding ligature" pitchFamily="49" charset="-127"/>
                 <a:ea typeface="D2Coding ligature" pitchFamily="49" charset="-127"/>
               </a:rPr>
               <a:t>매일 아침 더 잤다는 기분을 느낄 수 있고</a:t>
             </a:r>
             <a:r>
-              <a:rPr lang="en-US" altLang="ko-KR" sz="1400" dirty="0">
+              <a:rPr lang="en-US" altLang="ko-KR" sz="1500" dirty="0">
                 <a:latin typeface="D2Coding ligature" pitchFamily="49" charset="-127"/>
                 <a:ea typeface="D2Coding ligature" pitchFamily="49" charset="-127"/>
               </a:rPr>
               <a:t>, </a:t>
             </a:r>
             <a:r>
-              <a:rPr lang="ko-KR" altLang="en-US" sz="1400" dirty="0">
+              <a:rPr lang="ko-KR" altLang="en-US" sz="1500" dirty="0">
                 <a:latin typeface="D2Coding ligature" pitchFamily="49" charset="-127"/>
                 <a:ea typeface="D2Coding ligature" pitchFamily="49" charset="-127"/>
               </a:rPr>
               <a:t>학교도 지각하지 않게 된다</a:t>
             </a:r>
             <a:r>
-              <a:rPr lang="en-US" altLang="ko-KR" sz="1400" dirty="0" smtClean="0">
+              <a:rPr lang="en-US" altLang="ko-KR" sz="1500" dirty="0" smtClean="0">
                 <a:latin typeface="D2Coding ligature" pitchFamily="49" charset="-127"/>
                 <a:ea typeface="D2Coding ligature" pitchFamily="49" charset="-127"/>
               </a:rPr>
               <a:t>.</a:t>
             </a:r>
             <a:br>
-              <a:rPr lang="en-US" altLang="ko-KR" sz="1400" dirty="0" smtClean="0">
+              <a:rPr lang="en-US" altLang="ko-KR" sz="1500" dirty="0" smtClean="0">
                 <a:latin typeface="D2Coding ligature" pitchFamily="49" charset="-127"/>
                 <a:ea typeface="D2Coding ligature" pitchFamily="49" charset="-127"/>
               </a:rPr>
             </a:br>
             <a:r>
-              <a:rPr lang="ko-KR" altLang="en-US" sz="1400" dirty="0" smtClean="0">
+              <a:rPr lang="ko-KR" altLang="en-US" sz="1500" dirty="0" smtClean="0">
                 <a:latin typeface="D2Coding ligature" pitchFamily="49" charset="-127"/>
                 <a:ea typeface="D2Coding ligature" pitchFamily="49" charset="-127"/>
               </a:rPr>
               <a:t>현재 </a:t>
             </a:r>
             <a:r>
-              <a:rPr lang="ko-KR" altLang="en-US" sz="1400" dirty="0">
+              <a:rPr lang="ko-KR" altLang="en-US" sz="1500" dirty="0">
                 <a:latin typeface="D2Coding ligature" pitchFamily="49" charset="-127"/>
                 <a:ea typeface="D2Coding ligature" pitchFamily="49" charset="-127"/>
               </a:rPr>
               <a:t>상근이가 </a:t>
             </a:r>
             <a:r>
-              <a:rPr lang="ko-KR" altLang="en-US" sz="1400" dirty="0" err="1">
+              <a:rPr lang="ko-KR" altLang="en-US" sz="1500" dirty="0" err="1">
                 <a:latin typeface="D2Coding ligature" pitchFamily="49" charset="-127"/>
                 <a:ea typeface="D2Coding ligature" pitchFamily="49" charset="-127"/>
               </a:rPr>
               <a:t>맞춰논</a:t>
             </a:r>
             <a:r>
-              <a:rPr lang="ko-KR" altLang="en-US" sz="1400" dirty="0">
+              <a:rPr lang="ko-KR" altLang="en-US" sz="1500" dirty="0">
                 <a:latin typeface="D2Coding ligature" pitchFamily="49" charset="-127"/>
                 <a:ea typeface="D2Coding ligature" pitchFamily="49" charset="-127"/>
               </a:rPr>
               <a:t> </a:t>
             </a:r>
             <a:r>
-              <a:rPr lang="ko-KR" altLang="en-US" sz="1400" dirty="0" err="1">
+              <a:rPr lang="ko-KR" altLang="en-US" sz="1500" dirty="0" err="1">
                 <a:latin typeface="D2Coding ligature" pitchFamily="49" charset="-127"/>
                 <a:ea typeface="D2Coding ligature" pitchFamily="49" charset="-127"/>
               </a:rPr>
               <a:t>알람</a:t>
             </a:r>
             <a:r>
-              <a:rPr lang="ko-KR" altLang="en-US" sz="1400" dirty="0">
+              <a:rPr lang="ko-KR" altLang="en-US" sz="1500" dirty="0">
                 <a:latin typeface="D2Coding ligature" pitchFamily="49" charset="-127"/>
                 <a:ea typeface="D2Coding ligature" pitchFamily="49" charset="-127"/>
               </a:rPr>
               <a:t> </a:t>
             </a:r>
             <a:r>
-              <a:rPr lang="ko-KR" altLang="en-US" sz="1400" dirty="0" smtClean="0">
+              <a:rPr lang="ko-KR" altLang="en-US" sz="1500" dirty="0" smtClean="0">
                 <a:latin typeface="D2Coding ligature" pitchFamily="49" charset="-127"/>
                 <a:ea typeface="D2Coding ligature" pitchFamily="49" charset="-127"/>
               </a:rPr>
               <a:t>시각을 입력으로 받아</a:t>
             </a:r>
             <a:r>
-              <a:rPr lang="en-US" altLang="ko-KR" sz="1400" dirty="0" smtClean="0">
+              <a:rPr lang="en-US" altLang="ko-KR" sz="1500" dirty="0" smtClean="0">
                 <a:latin typeface="D2Coding ligature" pitchFamily="49" charset="-127"/>
                 <a:ea typeface="D2Coding ligature" pitchFamily="49" charset="-127"/>
               </a:rPr>
               <a:t>(</a:t>
             </a:r>
             <a:r>
-              <a:rPr lang="ko-KR" altLang="en-US" sz="1400" dirty="0" smtClean="0">
+              <a:rPr lang="ko-KR" altLang="en-US" sz="1500" dirty="0" smtClean="0">
                 <a:latin typeface="D2Coding ligature" pitchFamily="49" charset="-127"/>
                 <a:ea typeface="D2Coding ligature" pitchFamily="49" charset="-127"/>
               </a:rPr>
               <a:t>시와 분</a:t>
             </a:r>
             <a:r>
-              <a:rPr lang="en-US" altLang="ko-KR" sz="1400" dirty="0" smtClean="0">
+              <a:rPr lang="en-US" altLang="ko-KR" sz="1500" dirty="0" smtClean="0">
                 <a:latin typeface="D2Coding ligature" pitchFamily="49" charset="-127"/>
                 <a:ea typeface="D2Coding ligature" pitchFamily="49" charset="-127"/>
               </a:rPr>
               <a:t>) </a:t>
             </a:r>
             <a:r>
-              <a:rPr lang="ko-KR" altLang="en-US" sz="1400" dirty="0">
+              <a:rPr lang="ko-KR" altLang="en-US" sz="1500" dirty="0">
                 <a:latin typeface="D2Coding ligature" pitchFamily="49" charset="-127"/>
                 <a:ea typeface="D2Coding ligature" pitchFamily="49" charset="-127"/>
               </a:rPr>
               <a:t>창영이의 방법을 사용한다면</a:t>
             </a:r>
             <a:r>
-              <a:rPr lang="en-US" altLang="ko-KR" sz="1400" dirty="0">
+              <a:rPr lang="en-US" altLang="ko-KR" sz="1500" dirty="0">
                 <a:latin typeface="D2Coding ligature" pitchFamily="49" charset="-127"/>
                 <a:ea typeface="D2Coding ligature" pitchFamily="49" charset="-127"/>
               </a:rPr>
               <a:t>, </a:t>
             </a:r>
             <a:r>
-              <a:rPr lang="ko-KR" altLang="en-US" sz="1400" dirty="0">
+              <a:rPr lang="ko-KR" altLang="en-US" sz="1500" dirty="0">
                 <a:latin typeface="D2Coding ligature" pitchFamily="49" charset="-127"/>
                 <a:ea typeface="D2Coding ligature" pitchFamily="49" charset="-127"/>
               </a:rPr>
               <a:t>이를 언제로 고쳐야 하는지 구하는 프로그램을 작성하시오</a:t>
             </a:r>
             <a:r>
-              <a:rPr lang="en-US" altLang="ko-KR" sz="1400" dirty="0" smtClean="0">
+              <a:rPr lang="en-US" altLang="ko-KR" sz="1500" dirty="0" smtClean="0">
                 <a:latin typeface="D2Coding ligature" pitchFamily="49" charset="-127"/>
                 <a:ea typeface="D2Coding ligature" pitchFamily="49" charset="-127"/>
               </a:rPr>
@@ -4518,7 +4518,7 @@
               <a:buFont typeface="+mj-lt"/>
               <a:buAutoNum type="arabicPeriod"/>
             </a:pPr>
-            <a:endParaRPr lang="en-US" altLang="ko-KR" sz="1400" dirty="0">
+            <a:endParaRPr lang="en-US" altLang="ko-KR" sz="1500" dirty="0">
               <a:latin typeface="D2Coding ligature" pitchFamily="49" charset="-127"/>
               <a:ea typeface="D2Coding ligature" pitchFamily="49" charset="-127"/>
             </a:endParaRPr>
@@ -4529,42 +4529,42 @@
               <a:buAutoNum type="arabicPeriod"/>
             </a:pPr>
             <a:r>
-              <a:rPr lang="ko-KR" altLang="en-US" sz="1400" dirty="0">
+              <a:rPr lang="ko-KR" altLang="en-US" sz="1500" dirty="0">
                 <a:latin typeface="D2Coding ligature" pitchFamily="49" charset="-127"/>
                 <a:ea typeface="D2Coding ligature" pitchFamily="49" charset="-127"/>
               </a:rPr>
               <a:t>세 정수 </a:t>
             </a:r>
             <a:r>
-              <a:rPr lang="en-US" altLang="ko-KR" sz="1400" dirty="0" smtClean="0">
+              <a:rPr lang="en-US" altLang="ko-KR" sz="1500" dirty="0" smtClean="0">
                 <a:latin typeface="D2Coding ligature" pitchFamily="49" charset="-127"/>
                 <a:ea typeface="D2Coding ligature" pitchFamily="49" charset="-127"/>
               </a:rPr>
               <a:t>a, b, c</a:t>
             </a:r>
             <a:r>
-              <a:rPr lang="ko-KR" altLang="en-US" sz="1400" dirty="0" smtClean="0">
+              <a:rPr lang="ko-KR" altLang="en-US" sz="1500" dirty="0" smtClean="0">
                 <a:latin typeface="D2Coding ligature" pitchFamily="49" charset="-127"/>
                 <a:ea typeface="D2Coding ligature" pitchFamily="49" charset="-127"/>
               </a:rPr>
               <a:t>를 입력으로 받아</a:t>
             </a:r>
             <a:r>
-              <a:rPr lang="en-US" altLang="ko-KR" sz="1400" dirty="0" smtClean="0">
+              <a:rPr lang="en-US" altLang="ko-KR" sz="1500" dirty="0" smtClean="0">
                 <a:latin typeface="D2Coding ligature" pitchFamily="49" charset="-127"/>
                 <a:ea typeface="D2Coding ligature" pitchFamily="49" charset="-127"/>
               </a:rPr>
               <a:t> </a:t>
             </a:r>
             <a:r>
-              <a:rPr lang="ko-KR" altLang="en-US" sz="1400" dirty="0">
+              <a:rPr lang="ko-KR" altLang="en-US" sz="1500" dirty="0">
                 <a:latin typeface="D2Coding ligature" pitchFamily="49" charset="-127"/>
                 <a:ea typeface="D2Coding ligature" pitchFamily="49" charset="-127"/>
               </a:rPr>
               <a:t>두 번째로 큰 정수를 출력하는 프로그램을 작성하시오</a:t>
             </a:r>
             <a:r>
-              <a:rPr lang="en-US" altLang="ko-KR" sz="1400" dirty="0" smtClean="0">
+              <a:rPr lang="en-US" altLang="ko-KR" sz="1500" dirty="0" smtClean="0">
                 <a:latin typeface="D2Coding ligature" pitchFamily="49" charset="-127"/>
                 <a:ea typeface="D2Coding ligature" pitchFamily="49" charset="-127"/>
               </a:rPr>
@@ -4576,7 +4576,7 @@
               <a:buFont typeface="+mj-lt"/>
               <a:buAutoNum type="arabicPeriod"/>
             </a:pPr>
-            <a:endParaRPr lang="en-US" altLang="ko-KR" sz="1400" dirty="0">
+            <a:endParaRPr lang="en-US" altLang="ko-KR" sz="1500" dirty="0">
               <a:latin typeface="D2Coding ligature" pitchFamily="49" charset="-127"/>
               <a:ea typeface="D2Coding ligature" pitchFamily="49" charset="-127"/>
             </a:endParaRPr>
@@ -4587,302 +4587,302 @@
               <a:buAutoNum type="arabicPeriod"/>
             </a:pPr>
             <a:r>
-              <a:rPr lang="ko-KR" altLang="en-US" sz="1400" dirty="0">
+              <a:rPr lang="ko-KR" altLang="en-US" sz="1500" dirty="0">
                 <a:latin typeface="D2Coding ligature" pitchFamily="49" charset="-127"/>
                 <a:ea typeface="D2Coding ligature" pitchFamily="49" charset="-127"/>
               </a:rPr>
               <a:t>세 자연수 </a:t>
             </a:r>
             <a:r>
-              <a:rPr lang="en-US" altLang="ko-KR" sz="1400" dirty="0">
+              <a:rPr lang="en-US" altLang="ko-KR" sz="1500" dirty="0">
                 <a:latin typeface="D2Coding ligature" pitchFamily="49" charset="-127"/>
                 <a:ea typeface="D2Coding ligature" pitchFamily="49" charset="-127"/>
               </a:rPr>
               <a:t>a, b, c </a:t>
             </a:r>
             <a:r>
-              <a:rPr lang="ko-KR" altLang="en-US" sz="1400" dirty="0">
+              <a:rPr lang="ko-KR" altLang="en-US" sz="1500" dirty="0">
                 <a:latin typeface="D2Coding ligature" pitchFamily="49" charset="-127"/>
                 <a:ea typeface="D2Coding ligature" pitchFamily="49" charset="-127"/>
               </a:rPr>
               <a:t>가 피타고라스 정리 </a:t>
             </a:r>
             <a:r>
-              <a:rPr lang="en-US" altLang="ko-KR" sz="1400" dirty="0">
+              <a:rPr lang="en-US" altLang="ko-KR" sz="1500" dirty="0">
                 <a:latin typeface="D2Coding ligature" pitchFamily="49" charset="-127"/>
                 <a:ea typeface="D2Coding ligature" pitchFamily="49" charset="-127"/>
               </a:rPr>
               <a:t>a</a:t>
             </a:r>
             <a:r>
-              <a:rPr lang="en-US" altLang="ko-KR" sz="1400" baseline="30000" dirty="0">
+              <a:rPr lang="en-US" altLang="ko-KR" sz="1500" baseline="30000" dirty="0">
                 <a:latin typeface="D2Coding ligature" pitchFamily="49" charset="-127"/>
                 <a:ea typeface="D2Coding ligature" pitchFamily="49" charset="-127"/>
               </a:rPr>
               <a:t>2</a:t>
             </a:r>
             <a:r>
-              <a:rPr lang="en-US" altLang="ko-KR" sz="1400" dirty="0">
+              <a:rPr lang="en-US" altLang="ko-KR" sz="1500" dirty="0">
                 <a:latin typeface="D2Coding ligature" pitchFamily="49" charset="-127"/>
                 <a:ea typeface="D2Coding ligature" pitchFamily="49" charset="-127"/>
               </a:rPr>
               <a:t> + b</a:t>
             </a:r>
             <a:r>
-              <a:rPr lang="en-US" altLang="ko-KR" sz="1400" baseline="30000" dirty="0">
+              <a:rPr lang="en-US" altLang="ko-KR" sz="1500" baseline="30000" dirty="0">
                 <a:latin typeface="D2Coding ligature" pitchFamily="49" charset="-127"/>
                 <a:ea typeface="D2Coding ligature" pitchFamily="49" charset="-127"/>
               </a:rPr>
               <a:t>2</a:t>
             </a:r>
             <a:r>
-              <a:rPr lang="en-US" altLang="ko-KR" sz="1400" dirty="0">
+              <a:rPr lang="en-US" altLang="ko-KR" sz="1500" dirty="0">
                 <a:latin typeface="D2Coding ligature" pitchFamily="49" charset="-127"/>
                 <a:ea typeface="D2Coding ligature" pitchFamily="49" charset="-127"/>
               </a:rPr>
               <a:t> = c</a:t>
             </a:r>
             <a:r>
-              <a:rPr lang="en-US" altLang="ko-KR" sz="1400" baseline="30000" dirty="0">
+              <a:rPr lang="en-US" altLang="ko-KR" sz="1500" baseline="30000" dirty="0">
                 <a:latin typeface="D2Coding ligature" pitchFamily="49" charset="-127"/>
                 <a:ea typeface="D2Coding ligature" pitchFamily="49" charset="-127"/>
               </a:rPr>
               <a:t>2</a:t>
             </a:r>
             <a:r>
-              <a:rPr lang="en-US" altLang="ko-KR" sz="1400" dirty="0">
+              <a:rPr lang="en-US" altLang="ko-KR" sz="1500" dirty="0">
                 <a:latin typeface="D2Coding ligature" pitchFamily="49" charset="-127"/>
                 <a:ea typeface="D2Coding ligature" pitchFamily="49" charset="-127"/>
               </a:rPr>
               <a:t> </a:t>
             </a:r>
             <a:r>
-              <a:rPr lang="ko-KR" altLang="en-US" sz="1400" dirty="0">
+              <a:rPr lang="ko-KR" altLang="en-US" sz="1500" dirty="0">
                 <a:latin typeface="D2Coding ligature" pitchFamily="49" charset="-127"/>
                 <a:ea typeface="D2Coding ligature" pitchFamily="49" charset="-127"/>
               </a:rPr>
               <a:t>를 만족하면 피타고라스 수라고 부른다</a:t>
             </a:r>
             <a:r>
-              <a:rPr lang="en-US" altLang="ko-KR" sz="1400" dirty="0" smtClean="0">
+              <a:rPr lang="en-US" altLang="ko-KR" sz="1500" dirty="0" smtClean="0">
                 <a:latin typeface="D2Coding ligature" pitchFamily="49" charset="-127"/>
                 <a:ea typeface="D2Coding ligature" pitchFamily="49" charset="-127"/>
               </a:rPr>
               <a:t>. </a:t>
             </a:r>
             <a:br>
-              <a:rPr lang="en-US" altLang="ko-KR" sz="1400" dirty="0" smtClean="0">
+              <a:rPr lang="en-US" altLang="ko-KR" sz="1500" dirty="0" smtClean="0">
                 <a:latin typeface="D2Coding ligature" pitchFamily="49" charset="-127"/>
                 <a:ea typeface="D2Coding ligature" pitchFamily="49" charset="-127"/>
               </a:rPr>
             </a:br>
             <a:r>
-              <a:rPr lang="en-US" altLang="ko-KR" sz="1400" dirty="0" smtClean="0">
+              <a:rPr lang="en-US" altLang="ko-KR" sz="1500" dirty="0" smtClean="0">
                 <a:latin typeface="D2Coding ligature" pitchFamily="49" charset="-127"/>
                 <a:ea typeface="D2Coding ligature" pitchFamily="49" charset="-127"/>
               </a:rPr>
               <a:t>(</a:t>
             </a:r>
             <a:r>
-              <a:rPr lang="ko-KR" altLang="en-US" sz="1400" dirty="0">
+              <a:rPr lang="ko-KR" altLang="en-US" sz="1500" dirty="0">
                 <a:latin typeface="D2Coding ligature" pitchFamily="49" charset="-127"/>
                 <a:ea typeface="D2Coding ligature" pitchFamily="49" charset="-127"/>
               </a:rPr>
               <a:t>여기서 </a:t>
             </a:r>
             <a:r>
-              <a:rPr lang="en-US" altLang="ko-KR" sz="1400" dirty="0">
+              <a:rPr lang="en-US" altLang="ko-KR" sz="1500" dirty="0">
                 <a:latin typeface="D2Coding ligature" pitchFamily="49" charset="-127"/>
                 <a:ea typeface="D2Coding ligature" pitchFamily="49" charset="-127"/>
               </a:rPr>
               <a:t>a &lt; b &lt; c </a:t>
             </a:r>
             <a:r>
-              <a:rPr lang="ko-KR" altLang="en-US" sz="1400" dirty="0">
+              <a:rPr lang="ko-KR" altLang="en-US" sz="1500" dirty="0">
                 <a:latin typeface="D2Coding ligature" pitchFamily="49" charset="-127"/>
                 <a:ea typeface="D2Coding ligature" pitchFamily="49" charset="-127"/>
               </a:rPr>
               <a:t>이고 </a:t>
             </a:r>
             <a:r>
-              <a:rPr lang="en-US" altLang="ko-KR" sz="1400" dirty="0">
+              <a:rPr lang="en-US" altLang="ko-KR" sz="1500" dirty="0">
                 <a:latin typeface="D2Coding ligature" pitchFamily="49" charset="-127"/>
                 <a:ea typeface="D2Coding ligature" pitchFamily="49" charset="-127"/>
               </a:rPr>
               <a:t>a + b &gt; c</a:t>
             </a:r>
             <a:r>
-              <a:rPr lang="en-US" altLang="ko-KR" sz="1400" dirty="0" smtClean="0">
+              <a:rPr lang="en-US" altLang="ko-KR" sz="1500" dirty="0" smtClean="0">
                 <a:latin typeface="D2Coding ligature" pitchFamily="49" charset="-127"/>
                 <a:ea typeface="D2Coding ligature" pitchFamily="49" charset="-127"/>
               </a:rPr>
               <a:t>)</a:t>
             </a:r>
             <a:br>
-              <a:rPr lang="en-US" altLang="ko-KR" sz="1400" dirty="0" smtClean="0">
+              <a:rPr lang="en-US" altLang="ko-KR" sz="1500" dirty="0" smtClean="0">
                 <a:latin typeface="D2Coding ligature" pitchFamily="49" charset="-127"/>
                 <a:ea typeface="D2Coding ligature" pitchFamily="49" charset="-127"/>
               </a:rPr>
             </a:br>
             <a:r>
-              <a:rPr lang="en-US" altLang="ko-KR" sz="1400" dirty="0" smtClean="0">
+              <a:rPr lang="en-US" altLang="ko-KR" sz="1500" dirty="0" smtClean="0">
                 <a:latin typeface="D2Coding ligature" pitchFamily="49" charset="-127"/>
                 <a:ea typeface="D2Coding ligature" pitchFamily="49" charset="-127"/>
               </a:rPr>
               <a:t/>
             </a:r>
             <a:br>
-              <a:rPr lang="en-US" altLang="ko-KR" sz="1400" dirty="0" smtClean="0">
+              <a:rPr lang="en-US" altLang="ko-KR" sz="1500" dirty="0" smtClean="0">
                 <a:latin typeface="D2Coding ligature" pitchFamily="49" charset="-127"/>
                 <a:ea typeface="D2Coding ligature" pitchFamily="49" charset="-127"/>
               </a:rPr>
             </a:br>
             <a:r>
-              <a:rPr lang="ko-KR" altLang="en-US" sz="1400" dirty="0" smtClean="0">
+              <a:rPr lang="ko-KR" altLang="en-US" sz="1500" dirty="0" smtClean="0">
                 <a:latin typeface="D2Coding ligature" pitchFamily="49" charset="-127"/>
                 <a:ea typeface="D2Coding ligature" pitchFamily="49" charset="-127"/>
               </a:rPr>
               <a:t>예를 </a:t>
             </a:r>
             <a:r>
-              <a:rPr lang="ko-KR" altLang="en-US" sz="1400" dirty="0">
+              <a:rPr lang="ko-KR" altLang="en-US" sz="1500" dirty="0">
                 <a:latin typeface="D2Coding ligature" pitchFamily="49" charset="-127"/>
                 <a:ea typeface="D2Coding ligature" pitchFamily="49" charset="-127"/>
               </a:rPr>
               <a:t>들면</a:t>
             </a:r>
             <a:r>
-              <a:rPr lang="en-US" altLang="ko-KR" sz="1400" dirty="0">
+              <a:rPr lang="en-US" altLang="ko-KR" sz="1500" dirty="0">
                 <a:latin typeface="D2Coding ligature" pitchFamily="49" charset="-127"/>
                 <a:ea typeface="D2Coding ligature" pitchFamily="49" charset="-127"/>
               </a:rPr>
               <a:t>, 3</a:t>
             </a:r>
             <a:r>
-              <a:rPr lang="en-US" altLang="ko-KR" sz="1400" baseline="30000" dirty="0">
+              <a:rPr lang="en-US" altLang="ko-KR" sz="1500" baseline="30000" dirty="0">
                 <a:latin typeface="D2Coding ligature" pitchFamily="49" charset="-127"/>
                 <a:ea typeface="D2Coding ligature" pitchFamily="49" charset="-127"/>
               </a:rPr>
               <a:t>2</a:t>
             </a:r>
             <a:r>
-              <a:rPr lang="en-US" altLang="ko-KR" sz="1400" dirty="0">
+              <a:rPr lang="en-US" altLang="ko-KR" sz="1500" dirty="0">
                 <a:latin typeface="D2Coding ligature" pitchFamily="49" charset="-127"/>
                 <a:ea typeface="D2Coding ligature" pitchFamily="49" charset="-127"/>
               </a:rPr>
               <a:t> + 4</a:t>
             </a:r>
             <a:r>
-              <a:rPr lang="en-US" altLang="ko-KR" sz="1400" baseline="30000" dirty="0">
+              <a:rPr lang="en-US" altLang="ko-KR" sz="1500" baseline="30000" dirty="0">
                 <a:latin typeface="D2Coding ligature" pitchFamily="49" charset="-127"/>
                 <a:ea typeface="D2Coding ligature" pitchFamily="49" charset="-127"/>
               </a:rPr>
               <a:t>2</a:t>
             </a:r>
             <a:r>
-              <a:rPr lang="en-US" altLang="ko-KR" sz="1400" dirty="0">
+              <a:rPr lang="en-US" altLang="ko-KR" sz="1500" dirty="0">
                 <a:latin typeface="D2Coding ligature" pitchFamily="49" charset="-127"/>
                 <a:ea typeface="D2Coding ligature" pitchFamily="49" charset="-127"/>
               </a:rPr>
               <a:t> = 9 + 16 = 25 = 5</a:t>
             </a:r>
             <a:r>
-              <a:rPr lang="en-US" altLang="ko-KR" sz="1400" baseline="30000" dirty="0">
+              <a:rPr lang="en-US" altLang="ko-KR" sz="1500" baseline="30000" dirty="0">
                 <a:latin typeface="D2Coding ligature" pitchFamily="49" charset="-127"/>
                 <a:ea typeface="D2Coding ligature" pitchFamily="49" charset="-127"/>
               </a:rPr>
               <a:t>2</a:t>
             </a:r>
             <a:r>
-              <a:rPr lang="en-US" altLang="ko-KR" sz="1400" dirty="0">
+              <a:rPr lang="en-US" altLang="ko-KR" sz="1500" dirty="0">
                 <a:latin typeface="D2Coding ligature" pitchFamily="49" charset="-127"/>
                 <a:ea typeface="D2Coding ligature" pitchFamily="49" charset="-127"/>
               </a:rPr>
               <a:t> </a:t>
             </a:r>
             <a:r>
-              <a:rPr lang="ko-KR" altLang="en-US" sz="1400" dirty="0">
+              <a:rPr lang="ko-KR" altLang="en-US" sz="1500" dirty="0">
                 <a:latin typeface="D2Coding ligature" pitchFamily="49" charset="-127"/>
                 <a:ea typeface="D2Coding ligature" pitchFamily="49" charset="-127"/>
               </a:rPr>
               <a:t>이므로 </a:t>
             </a:r>
             <a:r>
-              <a:rPr lang="en-US" altLang="ko-KR" sz="1400" dirty="0">
+              <a:rPr lang="en-US" altLang="ko-KR" sz="1500" dirty="0">
                 <a:latin typeface="D2Coding ligature" pitchFamily="49" charset="-127"/>
                 <a:ea typeface="D2Coding ligature" pitchFamily="49" charset="-127"/>
               </a:rPr>
               <a:t>3, 4, 5</a:t>
             </a:r>
             <a:r>
-              <a:rPr lang="ko-KR" altLang="en-US" sz="1400" dirty="0">
+              <a:rPr lang="ko-KR" altLang="en-US" sz="1500" dirty="0">
                 <a:latin typeface="D2Coding ligature" pitchFamily="49" charset="-127"/>
                 <a:ea typeface="D2Coding ligature" pitchFamily="49" charset="-127"/>
               </a:rPr>
               <a:t>는 피타고라스 수입니다</a:t>
             </a:r>
             <a:r>
-              <a:rPr lang="en-US" altLang="ko-KR" sz="1400" dirty="0">
+              <a:rPr lang="en-US" altLang="ko-KR" sz="1500" dirty="0">
                 <a:latin typeface="D2Coding ligature" pitchFamily="49" charset="-127"/>
                 <a:ea typeface="D2Coding ligature" pitchFamily="49" charset="-127"/>
               </a:rPr>
               <a:t>.</a:t>
             </a:r>
             <a:br>
-              <a:rPr lang="en-US" altLang="ko-KR" sz="1400" dirty="0">
+              <a:rPr lang="en-US" altLang="ko-KR" sz="1500" dirty="0">
                 <a:latin typeface="D2Coding ligature" pitchFamily="49" charset="-127"/>
                 <a:ea typeface="D2Coding ligature" pitchFamily="49" charset="-127"/>
               </a:rPr>
             </a:br>
             <a:r>
-              <a:rPr lang="en-US" altLang="ko-KR" sz="1400" dirty="0">
+              <a:rPr lang="en-US" altLang="ko-KR" sz="1500" dirty="0">
                 <a:latin typeface="D2Coding ligature" pitchFamily="49" charset="-127"/>
                 <a:ea typeface="D2Coding ligature" pitchFamily="49" charset="-127"/>
               </a:rPr>
               <a:t/>
             </a:r>
             <a:br>
-              <a:rPr lang="en-US" altLang="ko-KR" sz="1400" dirty="0">
+              <a:rPr lang="en-US" altLang="ko-KR" sz="1500" dirty="0">
                 <a:latin typeface="D2Coding ligature" pitchFamily="49" charset="-127"/>
                 <a:ea typeface="D2Coding ligature" pitchFamily="49" charset="-127"/>
               </a:rPr>
             </a:br>
             <a:r>
-              <a:rPr lang="en-US" altLang="ko-KR" sz="1400" dirty="0">
+              <a:rPr lang="en-US" altLang="ko-KR" sz="1500" dirty="0">
                 <a:latin typeface="D2Coding ligature" pitchFamily="49" charset="-127"/>
                 <a:ea typeface="D2Coding ligature" pitchFamily="49" charset="-127"/>
               </a:rPr>
               <a:t>   a + b + c = 1000 </a:t>
             </a:r>
             <a:r>
-              <a:rPr lang="ko-KR" altLang="en-US" sz="1400" dirty="0">
+              <a:rPr lang="ko-KR" altLang="en-US" sz="1500" dirty="0">
                 <a:latin typeface="D2Coding ligature" pitchFamily="49" charset="-127"/>
                 <a:ea typeface="D2Coding ligature" pitchFamily="49" charset="-127"/>
               </a:rPr>
               <a:t>인 피타고라스 수를 구하시오</a:t>
             </a:r>
             <a:r>
-              <a:rPr lang="en-US" altLang="ko-KR" sz="1400" dirty="0">
+              <a:rPr lang="en-US" altLang="ko-KR" sz="1500" dirty="0">
                 <a:latin typeface="D2Coding ligature" pitchFamily="49" charset="-127"/>
                 <a:ea typeface="D2Coding ligature" pitchFamily="49" charset="-127"/>
               </a:rPr>
               <a:t>. (</a:t>
             </a:r>
             <a:r>
-              <a:rPr lang="ko-KR" altLang="en-US" sz="1400" dirty="0">
+              <a:rPr lang="ko-KR" altLang="en-US" sz="1500" dirty="0">
                 <a:latin typeface="D2Coding ligature" pitchFamily="49" charset="-127"/>
                 <a:ea typeface="D2Coding ligature" pitchFamily="49" charset="-127"/>
               </a:rPr>
               <a:t>답은 한가지 뿐이다</a:t>
             </a:r>
             <a:r>
-              <a:rPr lang="en-US" altLang="ko-KR" sz="1400" dirty="0" smtClean="0">
+              <a:rPr lang="en-US" altLang="ko-KR" sz="1500" dirty="0" smtClean="0">
                 <a:latin typeface="D2Coding ligature" pitchFamily="49" charset="-127"/>
                 <a:ea typeface="D2Coding ligature" pitchFamily="49" charset="-127"/>
               </a:rPr>
               <a:t>.)</a:t>
             </a:r>
-            <a:endParaRPr lang="en-US" altLang="ko-KR" sz="1400" dirty="0">
+            <a:endParaRPr lang="en-US" altLang="ko-KR" sz="1500" dirty="0">
               <a:latin typeface="D2Coding ligature" pitchFamily="49" charset="-127"/>
               <a:ea typeface="D2Coding ligature" pitchFamily="49" charset="-127"/>
             </a:endParaRPr>
